--- a/Fourth Year/SEM VII/Human Resource Management  - Dr. Vibhav Singh/PPT's/UNIT 4-5.pptx
+++ b/Fourth Year/SEM VII/Human Resource Management  - Dr. Vibhav Singh/PPT's/UNIT 4-5.pptx
@@ -612,7 +612,7 @@
           <a:p>
             <a:fld id="{3AF4100B-02C1-454E-AB0C-7875AA1EAB3B}" type="datetimeFigureOut">
               <a:rPr lang="en-IN" smtClean="0"/>
-              <a:t>25-09-2022</a:t>
+              <a:t>04-10-2022</a:t>
             </a:fld>
             <a:endParaRPr lang="en-IN"/>
           </a:p>
@@ -814,7 +814,7 @@
           <a:p>
             <a:fld id="{3AF4100B-02C1-454E-AB0C-7875AA1EAB3B}" type="datetimeFigureOut">
               <a:rPr lang="en-IN" smtClean="0"/>
-              <a:t>25-09-2022</a:t>
+              <a:t>04-10-2022</a:t>
             </a:fld>
             <a:endParaRPr lang="en-IN"/>
           </a:p>
@@ -994,7 +994,7 @@
           <a:p>
             <a:fld id="{3AF4100B-02C1-454E-AB0C-7875AA1EAB3B}" type="datetimeFigureOut">
               <a:rPr lang="en-IN" smtClean="0"/>
-              <a:t>25-09-2022</a:t>
+              <a:t>04-10-2022</a:t>
             </a:fld>
             <a:endParaRPr lang="en-IN"/>
           </a:p>
@@ -1164,7 +1164,7 @@
           <a:p>
             <a:fld id="{3AF4100B-02C1-454E-AB0C-7875AA1EAB3B}" type="datetimeFigureOut">
               <a:rPr lang="en-IN" smtClean="0"/>
-              <a:t>25-09-2022</a:t>
+              <a:t>04-10-2022</a:t>
             </a:fld>
             <a:endParaRPr lang="en-IN"/>
           </a:p>
@@ -1735,7 +1735,7 @@
           <a:p>
             <a:fld id="{3AF4100B-02C1-454E-AB0C-7875AA1EAB3B}" type="datetimeFigureOut">
               <a:rPr lang="en-IN" smtClean="0"/>
-              <a:t>25-09-2022</a:t>
+              <a:t>04-10-2022</a:t>
             </a:fld>
             <a:endParaRPr lang="en-IN"/>
           </a:p>
@@ -2037,7 +2037,7 @@
           <a:p>
             <a:fld id="{3AF4100B-02C1-454E-AB0C-7875AA1EAB3B}" type="datetimeFigureOut">
               <a:rPr lang="en-IN" smtClean="0"/>
-              <a:t>25-09-2022</a:t>
+              <a:t>04-10-2022</a:t>
             </a:fld>
             <a:endParaRPr lang="en-IN"/>
           </a:p>
@@ -2474,7 +2474,7 @@
           <a:p>
             <a:fld id="{3AF4100B-02C1-454E-AB0C-7875AA1EAB3B}" type="datetimeFigureOut">
               <a:rPr lang="en-IN" smtClean="0"/>
-              <a:t>25-09-2022</a:t>
+              <a:t>04-10-2022</a:t>
             </a:fld>
             <a:endParaRPr lang="en-IN"/>
           </a:p>
@@ -2592,7 +2592,7 @@
           <a:p>
             <a:fld id="{3AF4100B-02C1-454E-AB0C-7875AA1EAB3B}" type="datetimeFigureOut">
               <a:rPr lang="en-IN" smtClean="0"/>
-              <a:t>25-09-2022</a:t>
+              <a:t>04-10-2022</a:t>
             </a:fld>
             <a:endParaRPr lang="en-IN"/>
           </a:p>
@@ -2687,7 +2687,7 @@
           <a:p>
             <a:fld id="{3AF4100B-02C1-454E-AB0C-7875AA1EAB3B}" type="datetimeFigureOut">
               <a:rPr lang="en-IN" smtClean="0"/>
-              <a:t>25-09-2022</a:t>
+              <a:t>04-10-2022</a:t>
             </a:fld>
             <a:endParaRPr lang="en-IN"/>
           </a:p>
@@ -3069,7 +3069,7 @@
           <a:p>
             <a:fld id="{3AF4100B-02C1-454E-AB0C-7875AA1EAB3B}" type="datetimeFigureOut">
               <a:rPr lang="en-IN" smtClean="0"/>
-              <a:t>25-09-2022</a:t>
+              <a:t>04-10-2022</a:t>
             </a:fld>
             <a:endParaRPr lang="en-IN"/>
           </a:p>
@@ -3463,7 +3463,7 @@
           <a:p>
             <a:fld id="{3AF4100B-02C1-454E-AB0C-7875AA1EAB3B}" type="datetimeFigureOut">
               <a:rPr lang="en-IN" smtClean="0"/>
-              <a:t>25-09-2022</a:t>
+              <a:t>04-10-2022</a:t>
             </a:fld>
             <a:endParaRPr lang="en-IN"/>
           </a:p>
@@ -3776,7 +3776,7 @@
           <a:p>
             <a:fld id="{3AF4100B-02C1-454E-AB0C-7875AA1EAB3B}" type="datetimeFigureOut">
               <a:rPr lang="en-IN" smtClean="0"/>
-              <a:t>25-09-2022</a:t>
+              <a:t>04-10-2022</a:t>
             </a:fld>
             <a:endParaRPr lang="en-IN"/>
           </a:p>
@@ -6316,9 +6316,6 @@
           <a:p>
             <a:r>
               <a:rPr lang="en-US" sz="2400" dirty="0">
-                <a:solidFill>
-                  <a:schemeClr val="bg1"/>
-                </a:solidFill>
                 <a:latin typeface="Arial Rounded MT Bold" panose="020F0704030504030204" pitchFamily="34" charset="0"/>
               </a:rPr>
               <a:t>Human Resource Planning </a:t>
@@ -6327,9 +6324,6 @@
           <a:p>
             <a:r>
               <a:rPr lang="en-US" sz="2400" dirty="0">
-                <a:solidFill>
-                  <a:schemeClr val="bg1"/>
-                </a:solidFill>
                 <a:latin typeface="Arial Rounded MT Bold" panose="020F0704030504030204" pitchFamily="34" charset="0"/>
               </a:rPr>
               <a:t>The biggest challenge is the numbers. The numbers are just so large. But the issue is no different than the one (founder) Sam Walton faced. We have to focus on one associate at a time.</a:t>
@@ -6337,54 +6331,36 @@
           </a:p>
           <a:p>
             <a:endParaRPr lang="en-US" sz="2400" dirty="0">
-              <a:solidFill>
-                <a:schemeClr val="bg1"/>
-              </a:solidFill>
               <a:latin typeface="Arial Rounded MT Bold" panose="020F0704030504030204" pitchFamily="34" charset="0"/>
             </a:endParaRPr>
           </a:p>
           <a:p>
             <a:r>
               <a:rPr lang="en-US" sz="2400" dirty="0">
-                <a:solidFill>
-                  <a:schemeClr val="bg1"/>
-                </a:solidFill>
                 <a:latin typeface="Arial Rounded MT Bold" panose="020F0704030504030204" pitchFamily="34" charset="0"/>
               </a:rPr>
               <a:t>HRP is a process by which an </a:t>
             </a:r>
             <a:r>
               <a:rPr lang="en-US" sz="2400" dirty="0" err="1">
-                <a:solidFill>
-                  <a:schemeClr val="bg1"/>
-                </a:solidFill>
                 <a:latin typeface="Arial Rounded MT Bold" panose="020F0704030504030204" pitchFamily="34" charset="0"/>
               </a:rPr>
               <a:t>organisation</a:t>
             </a:r>
             <a:r>
               <a:rPr lang="en-US" sz="2400" dirty="0">
-                <a:solidFill>
-                  <a:schemeClr val="bg1"/>
-                </a:solidFill>
                 <a:latin typeface="Arial Rounded MT Bold" panose="020F0704030504030204" pitchFamily="34" charset="0"/>
               </a:rPr>
               <a:t> ensures that it has the right number &amp; kind of people at the right place and at the right time, capable of effectively and efficiently completing those tasks that help the </a:t>
             </a:r>
             <a:r>
               <a:rPr lang="en-US" sz="2400" dirty="0" err="1">
-                <a:solidFill>
-                  <a:schemeClr val="bg1"/>
-                </a:solidFill>
                 <a:latin typeface="Arial Rounded MT Bold" panose="020F0704030504030204" pitchFamily="34" charset="0"/>
               </a:rPr>
               <a:t>organisation</a:t>
             </a:r>
             <a:r>
               <a:rPr lang="en-US" sz="2400" dirty="0">
-                <a:solidFill>
-                  <a:schemeClr val="bg1"/>
-                </a:solidFill>
                 <a:latin typeface="Arial Rounded MT Bold" panose="020F0704030504030204" pitchFamily="34" charset="0"/>
               </a:rPr>
               <a:t> achieve its overall objectives.</a:t>
@@ -6392,66 +6368,53 @@
           </a:p>
           <a:p>
             <a:endParaRPr lang="en-US" sz="2400" dirty="0">
-              <a:solidFill>
-                <a:schemeClr val="bg1"/>
-              </a:solidFill>
               <a:latin typeface="Arial Rounded MT Bold" panose="020F0704030504030204" pitchFamily="34" charset="0"/>
             </a:endParaRPr>
           </a:p>
           <a:p>
             <a:r>
               <a:rPr lang="en-US" sz="2400" dirty="0">
-                <a:solidFill>
-                  <a:schemeClr val="bg1"/>
-                </a:solidFill>
                 <a:latin typeface="Arial Rounded MT Bold" panose="020F0704030504030204" pitchFamily="34" charset="0"/>
               </a:rPr>
               <a:t>What is HRP? </a:t>
             </a:r>
           </a:p>
           <a:p>
+            <a:pPr marL="342900" indent="-342900">
+              <a:buFont typeface="Arial" panose="020B0604020202020204" pitchFamily="34" charset="0"/>
+              <a:buChar char="•"/>
+            </a:pPr>
             <a:r>
               <a:rPr lang="en-US" sz="2400" dirty="0">
-                <a:solidFill>
-                  <a:schemeClr val="bg1"/>
-                </a:solidFill>
-                <a:latin typeface="Arial Rounded MT Bold" panose="020F0704030504030204" pitchFamily="34" charset="0"/>
-              </a:rPr>
-              <a:t> The process of Deciding what positions the firm will and how to fill them. </a:t>
-            </a:r>
-          </a:p>
-          <a:p>
+                <a:latin typeface="Arial Rounded MT Bold" panose="020F0704030504030204" pitchFamily="34" charset="0"/>
+              </a:rPr>
+              <a:t>The process of Deciding what positions the firm will and how to fill them. </a:t>
+            </a:r>
+          </a:p>
+          <a:p>
+            <a:pPr marL="342900" indent="-342900">
+              <a:buFont typeface="Arial" panose="020B0604020202020204" pitchFamily="34" charset="0"/>
+              <a:buChar char="•"/>
+            </a:pPr>
             <a:r>
               <a:rPr lang="en-US" sz="2400" dirty="0">
-                <a:solidFill>
-                  <a:schemeClr val="bg1"/>
-                </a:solidFill>
-                <a:latin typeface="Arial Rounded MT Bold" panose="020F0704030504030204" pitchFamily="34" charset="0"/>
-              </a:rPr>
-              <a:t> The process of forecasting the supply and demand for human resources within an </a:t>
+                <a:latin typeface="Arial Rounded MT Bold" panose="020F0704030504030204" pitchFamily="34" charset="0"/>
+              </a:rPr>
+              <a:t>The process of forecasting the supply and demand for human resources within an </a:t>
             </a:r>
             <a:r>
               <a:rPr lang="en-US" sz="2400" dirty="0" err="1">
-                <a:solidFill>
-                  <a:schemeClr val="bg1"/>
-                </a:solidFill>
                 <a:latin typeface="Arial Rounded MT Bold" panose="020F0704030504030204" pitchFamily="34" charset="0"/>
               </a:rPr>
               <a:t>organisation</a:t>
             </a:r>
             <a:r>
               <a:rPr lang="en-US" sz="2400" dirty="0">
-                <a:solidFill>
-                  <a:schemeClr val="bg1"/>
-                </a:solidFill>
                 <a:latin typeface="Arial Rounded MT Bold" panose="020F0704030504030204" pitchFamily="34" charset="0"/>
               </a:rPr>
               <a:t> and developing action plans for aligning the two. </a:t>
             </a:r>
             <a:endParaRPr lang="en-IN" sz="2400" dirty="0">
-              <a:solidFill>
-                <a:schemeClr val="bg1"/>
-              </a:solidFill>
               <a:latin typeface="Arial Rounded MT Bold" panose="020F0704030504030204" pitchFamily="34" charset="0"/>
             </a:endParaRPr>
           </a:p>
@@ -8119,7 +8082,7 @@
         <p:spPr>
           <a:xfrm>
             <a:off x="781235" y="461639"/>
-            <a:ext cx="10511161" cy="5786199"/>
+            <a:ext cx="10511161" cy="5109091"/>
           </a:xfrm>
           <a:prstGeom prst="rect">
             <a:avLst/>
@@ -8154,72 +8117,7 @@
                 <a:effectLst/>
                 <a:latin typeface="Arial Rounded MT Bold" panose="020F0704030504030204" pitchFamily="34" charset="0"/>
               </a:rPr>
-              <a:t>as ―a process by which an </a:t>
-            </a:r>
-          </a:p>
-          <a:p>
-            <a:pPr algn="l"/>
-            <a:r>
-              <a:rPr lang="en-US" sz="2200" b="0" i="0" dirty="0">
-                <a:solidFill>
-                  <a:srgbClr val="000000"/>
-                </a:solidFill>
-                <a:effectLst/>
-                <a:latin typeface="Arial Rounded MT Bold" panose="020F0704030504030204" pitchFamily="34" charset="0"/>
-              </a:rPr>
-              <a:t>organization should move from its current manpower position to its desired </a:t>
-            </a:r>
-          </a:p>
-          <a:p>
-            <a:pPr algn="l"/>
-            <a:r>
-              <a:rPr lang="en-US" sz="2200" b="0" i="0" dirty="0">
-                <a:solidFill>
-                  <a:srgbClr val="000000"/>
-                </a:solidFill>
-                <a:effectLst/>
-                <a:latin typeface="Arial Rounded MT Bold" panose="020F0704030504030204" pitchFamily="34" charset="0"/>
-              </a:rPr>
-              <a:t>manpower position. Through planning management strives to have the right </a:t>
-            </a:r>
-          </a:p>
-          <a:p>
-            <a:pPr algn="l"/>
-            <a:r>
-              <a:rPr lang="en-US" sz="2200" b="0" i="0" dirty="0">
-                <a:solidFill>
-                  <a:srgbClr val="000000"/>
-                </a:solidFill>
-                <a:effectLst/>
-                <a:latin typeface="Arial Rounded MT Bold" panose="020F0704030504030204" pitchFamily="34" charset="0"/>
-              </a:rPr>
-              <a:t>number and right kind of people at the right places at the right time, doing things </a:t>
-            </a:r>
-          </a:p>
-          <a:p>
-            <a:pPr algn="l"/>
-            <a:r>
-              <a:rPr lang="en-US" sz="2200" b="0" i="0" dirty="0">
-                <a:solidFill>
-                  <a:srgbClr val="000000"/>
-                </a:solidFill>
-                <a:effectLst/>
-                <a:latin typeface="Arial Rounded MT Bold" panose="020F0704030504030204" pitchFamily="34" charset="0"/>
-              </a:rPr>
-              <a:t>which result in both the organization and the individual receiving maximum </a:t>
-            </a:r>
-          </a:p>
-          <a:p>
-            <a:pPr algn="l"/>
-            <a:r>
-              <a:rPr lang="en-US" sz="2200" b="0" i="0" dirty="0">
-                <a:solidFill>
-                  <a:srgbClr val="000000"/>
-                </a:solidFill>
-                <a:effectLst/>
-                <a:latin typeface="Arial Rounded MT Bold" panose="020F0704030504030204" pitchFamily="34" charset="0"/>
-              </a:rPr>
-              <a:t>long-run benefit.</a:t>
+              <a:t>as ―a process by which an organization should move from its current manpower position to its desired manpower position. Through planning management strives to have the right number and right kind of people at the right places at the right time, doing things which result in both the organization and the individual receiving maximum long-run benefit.</a:t>
             </a:r>
           </a:p>
           <a:p>
@@ -8254,46 +8152,7 @@
                 <a:effectLst/>
                 <a:latin typeface="Arial Rounded MT Bold" panose="020F0704030504030204" pitchFamily="34" charset="0"/>
               </a:rPr>
-              <a:t>approach to performing the planning aspects of the personnel function in order to </a:t>
-            </a:r>
-          </a:p>
-          <a:p>
-            <a:pPr algn="l"/>
-            <a:r>
-              <a:rPr lang="en-US" sz="2200" b="0" i="0" dirty="0">
-                <a:solidFill>
-                  <a:srgbClr val="000000"/>
-                </a:solidFill>
-                <a:effectLst/>
-                <a:latin typeface="Arial Rounded MT Bold" panose="020F0704030504030204" pitchFamily="34" charset="0"/>
-              </a:rPr>
-              <a:t>have a sufficient supply of adequately developed and motivated people to </a:t>
-            </a:r>
-          </a:p>
-          <a:p>
-            <a:pPr algn="l"/>
-            <a:r>
-              <a:rPr lang="en-US" sz="2200" b="0" i="0" dirty="0">
-                <a:solidFill>
-                  <a:srgbClr val="000000"/>
-                </a:solidFill>
-                <a:effectLst/>
-                <a:latin typeface="Arial Rounded MT Bold" panose="020F0704030504030204" pitchFamily="34" charset="0"/>
-              </a:rPr>
-              <a:t>perform the duties and tasks required to meet organizational objectives and </a:t>
-            </a:r>
-          </a:p>
-          <a:p>
-            <a:pPr algn="l"/>
-            <a:r>
-              <a:rPr lang="en-US" sz="2200" b="0" i="0" dirty="0">
-                <a:solidFill>
-                  <a:srgbClr val="000000"/>
-                </a:solidFill>
-                <a:effectLst/>
-                <a:latin typeface="Arial Rounded MT Bold" panose="020F0704030504030204" pitchFamily="34" charset="0"/>
-              </a:rPr>
-              <a:t>satisfy the individual needs and goals of organizational members. </a:t>
+              <a:t>approach to performing the planning aspects of the personnel function in order to have a sufficient supply of adequately developed and motivated people to perform the duties and tasks required to meet organizational objectives and satisfy the individual needs and goals of organizational members. </a:t>
             </a:r>
           </a:p>
           <a:p>
@@ -10128,135 +9987,132 @@
           <a:p>
             <a:r>
               <a:rPr lang="en-US" sz="2200" dirty="0">
-                <a:solidFill>
-                  <a:schemeClr val="bg1"/>
-                </a:solidFill>
                 <a:latin typeface="Arial Rounded MT Bold" panose="020F0704030504030204" pitchFamily="34" charset="0"/>
               </a:rPr>
               <a:t>HR departments are responsible for the following tasks: </a:t>
             </a:r>
           </a:p>
           <a:p>
+            <a:pPr marL="342900" indent="-342900">
+              <a:buFont typeface="Arial" panose="020B0604020202020204" pitchFamily="34" charset="0"/>
+              <a:buChar char="•"/>
+            </a:pPr>
             <a:r>
               <a:rPr lang="en-US" sz="2200" dirty="0">
-                <a:solidFill>
-                  <a:schemeClr val="bg1"/>
-                </a:solidFill>
-                <a:latin typeface="Arial Rounded MT Bold" panose="020F0704030504030204" pitchFamily="34" charset="0"/>
-              </a:rPr>
-              <a:t> Recruitment, Selection </a:t>
-            </a:r>
-          </a:p>
-          <a:p>
+                <a:latin typeface="Arial Rounded MT Bold" panose="020F0704030504030204" pitchFamily="34" charset="0"/>
+              </a:rPr>
+              <a:t>Recruitment, Selection </a:t>
+            </a:r>
+          </a:p>
+          <a:p>
+            <a:pPr marL="342900" indent="-342900">
+              <a:buFont typeface="Arial" panose="020B0604020202020204" pitchFamily="34" charset="0"/>
+              <a:buChar char="•"/>
+            </a:pPr>
             <a:r>
               <a:rPr lang="en-US" sz="2200" dirty="0">
-                <a:solidFill>
-                  <a:schemeClr val="bg1"/>
-                </a:solidFill>
-                <a:latin typeface="Arial Rounded MT Bold" panose="020F0704030504030204" pitchFamily="34" charset="0"/>
-              </a:rPr>
-              <a:t> Evaluating, creating and administering compensation and benefits programs </a:t>
-            </a:r>
-          </a:p>
-          <a:p>
+                <a:latin typeface="Arial Rounded MT Bold" panose="020F0704030504030204" pitchFamily="34" charset="0"/>
+              </a:rPr>
+              <a:t>Evaluating, creating and administering compensation and benefits programs </a:t>
+            </a:r>
+          </a:p>
+          <a:p>
+            <a:pPr marL="342900" indent="-342900">
+              <a:buFont typeface="Arial" panose="020B0604020202020204" pitchFamily="34" charset="0"/>
+              <a:buChar char="•"/>
+            </a:pPr>
             <a:r>
               <a:rPr lang="en-US" sz="2200" dirty="0">
-                <a:solidFill>
-                  <a:schemeClr val="bg1"/>
-                </a:solidFill>
-                <a:latin typeface="Arial Rounded MT Bold" panose="020F0704030504030204" pitchFamily="34" charset="0"/>
-              </a:rPr>
-              <a:t> Training and professional development </a:t>
-            </a:r>
-          </a:p>
-          <a:p>
+                <a:latin typeface="Arial Rounded MT Bold" panose="020F0704030504030204" pitchFamily="34" charset="0"/>
+              </a:rPr>
+              <a:t>Training and professional development </a:t>
+            </a:r>
+          </a:p>
+          <a:p>
+            <a:pPr marL="342900" indent="-342900">
+              <a:buFont typeface="Arial" panose="020B0604020202020204" pitchFamily="34" charset="0"/>
+              <a:buChar char="•"/>
+            </a:pPr>
             <a:r>
               <a:rPr lang="en-US" sz="2200" dirty="0">
-                <a:solidFill>
-                  <a:schemeClr val="bg1"/>
-                </a:solidFill>
-                <a:latin typeface="Arial Rounded MT Bold" panose="020F0704030504030204" pitchFamily="34" charset="0"/>
-              </a:rPr>
-              <a:t> Employee manuals </a:t>
-            </a:r>
-          </a:p>
-          <a:p>
+                <a:latin typeface="Arial Rounded MT Bold" panose="020F0704030504030204" pitchFamily="34" charset="0"/>
+              </a:rPr>
+              <a:t>Employee manuals </a:t>
+            </a:r>
+          </a:p>
+          <a:p>
+            <a:pPr marL="342900" indent="-342900">
+              <a:buFont typeface="Arial" panose="020B0604020202020204" pitchFamily="34" charset="0"/>
+              <a:buChar char="•"/>
+            </a:pPr>
             <a:r>
               <a:rPr lang="en-US" sz="2200" dirty="0">
-                <a:solidFill>
-                  <a:schemeClr val="bg1"/>
-                </a:solidFill>
-                <a:latin typeface="Arial Rounded MT Bold" panose="020F0704030504030204" pitchFamily="34" charset="0"/>
-              </a:rPr>
-              <a:t> Time and attendance etc.</a:t>
+                <a:latin typeface="Arial Rounded MT Bold" panose="020F0704030504030204" pitchFamily="34" charset="0"/>
+              </a:rPr>
+              <a:t>Time and attendance etc.</a:t>
             </a:r>
           </a:p>
           <a:p>
             <a:endParaRPr lang="en-US" sz="2200" dirty="0">
-              <a:solidFill>
-                <a:schemeClr val="bg1"/>
-              </a:solidFill>
               <a:latin typeface="Arial Rounded MT Bold" panose="020F0704030504030204" pitchFamily="34" charset="0"/>
             </a:endParaRPr>
           </a:p>
           <a:p>
             <a:r>
               <a:rPr lang="en-US" sz="2200" dirty="0">
-                <a:solidFill>
-                  <a:schemeClr val="bg1"/>
-                </a:solidFill>
                 <a:latin typeface="Arial Rounded MT Bold" panose="020F0704030504030204" pitchFamily="34" charset="0"/>
               </a:rPr>
               <a:t>Planning: </a:t>
             </a:r>
           </a:p>
           <a:p>
+            <a:pPr marL="342900" indent="-342900">
+              <a:buFont typeface="Arial" panose="020B0604020202020204" pitchFamily="34" charset="0"/>
+              <a:buChar char="•"/>
+            </a:pPr>
             <a:r>
               <a:rPr lang="en-US" sz="2200" dirty="0">
-                <a:solidFill>
-                  <a:schemeClr val="bg1"/>
-                </a:solidFill>
-                <a:latin typeface="Arial Rounded MT Bold" panose="020F0704030504030204" pitchFamily="34" charset="0"/>
-              </a:rPr>
-              <a:t> Business should always have a strategic plan. </a:t>
-            </a:r>
-          </a:p>
-          <a:p>
+                <a:latin typeface="Arial Rounded MT Bold" panose="020F0704030504030204" pitchFamily="34" charset="0"/>
+              </a:rPr>
+              <a:t>Business should always have a strategic plan. </a:t>
+            </a:r>
+          </a:p>
+          <a:p>
+            <a:pPr marL="342900" indent="-342900">
+              <a:buFont typeface="Arial" panose="020B0604020202020204" pitchFamily="34" charset="0"/>
+              <a:buChar char="•"/>
+            </a:pPr>
             <a:r>
               <a:rPr lang="en-US" sz="2200" dirty="0">
-                <a:solidFill>
-                  <a:schemeClr val="bg1"/>
-                </a:solidFill>
-                <a:latin typeface="Arial Rounded MT Bold" panose="020F0704030504030204" pitchFamily="34" charset="0"/>
-              </a:rPr>
-              <a:t> SP- identifies the company goals and objectives and communicates these goals. </a:t>
-            </a:r>
-          </a:p>
-          <a:p>
+                <a:latin typeface="Arial Rounded MT Bold" panose="020F0704030504030204" pitchFamily="34" charset="0"/>
+              </a:rPr>
+              <a:t>SP- identifies the company goals and objectives and communicates these goals. </a:t>
+            </a:r>
+          </a:p>
+          <a:p>
+            <a:pPr marL="342900" indent="-342900">
+              <a:buFont typeface="Arial" panose="020B0604020202020204" pitchFamily="34" charset="0"/>
+              <a:buChar char="•"/>
+            </a:pPr>
             <a:r>
               <a:rPr lang="en-US" sz="2200" dirty="0">
-                <a:solidFill>
-                  <a:schemeClr val="bg1"/>
-                </a:solidFill>
-                <a:latin typeface="Arial Rounded MT Bold" panose="020F0704030504030204" pitchFamily="34" charset="0"/>
-              </a:rPr>
-              <a:t> Develops a sense of ownership of the plan. </a:t>
-            </a:r>
-          </a:p>
-          <a:p>
+                <a:latin typeface="Arial Rounded MT Bold" panose="020F0704030504030204" pitchFamily="34" charset="0"/>
+              </a:rPr>
+              <a:t>Develops a sense of ownership of the plan. </a:t>
+            </a:r>
+          </a:p>
+          <a:p>
+            <a:pPr marL="342900" indent="-342900">
+              <a:buFont typeface="Arial" panose="020B0604020202020204" pitchFamily="34" charset="0"/>
+              <a:buChar char="•"/>
+            </a:pPr>
             <a:r>
               <a:rPr lang="en-US" sz="2200" dirty="0">
-                <a:solidFill>
-                  <a:schemeClr val="bg1"/>
-                </a:solidFill>
-                <a:latin typeface="Arial Rounded MT Bold" panose="020F0704030504030204" pitchFamily="34" charset="0"/>
-              </a:rPr>
-              <a:t> Build consensus about where an organization is going</a:t>
+                <a:latin typeface="Arial Rounded MT Bold" panose="020F0704030504030204" pitchFamily="34" charset="0"/>
+              </a:rPr>
+              <a:t>Build consensus about where an organization is going</a:t>
             </a:r>
             <a:endParaRPr lang="en-IN" sz="2200" dirty="0">
-              <a:solidFill>
-                <a:schemeClr val="bg1"/>
-              </a:solidFill>
               <a:latin typeface="Arial Rounded MT Bold" panose="020F0704030504030204" pitchFamily="34" charset="0"/>
             </a:endParaRPr>
           </a:p>
@@ -10322,184 +10178,143 @@
           <a:p>
             <a:r>
               <a:rPr lang="en-US" sz="2000" dirty="0">
-                <a:solidFill>
-                  <a:schemeClr val="bg1"/>
-                </a:solidFill>
                 <a:latin typeface="Arial Rounded MT Bold" panose="020F0704030504030204" pitchFamily="34" charset="0"/>
               </a:rPr>
               <a:t>Importance of HRP </a:t>
             </a:r>
           </a:p>
           <a:p>
+            <a:pPr marL="342900" indent="-342900">
+              <a:buFont typeface="Arial" panose="020B0604020202020204" pitchFamily="34" charset="0"/>
+              <a:buChar char="•"/>
+            </a:pPr>
             <a:r>
               <a:rPr lang="en-US" sz="2000" dirty="0">
-                <a:solidFill>
-                  <a:schemeClr val="bg1"/>
-                </a:solidFill>
-                <a:latin typeface="Arial Rounded MT Bold" panose="020F0704030504030204" pitchFamily="34" charset="0"/>
-              </a:rPr>
-              <a:t> Planning is important for HRM. </a:t>
-            </a:r>
-          </a:p>
-          <a:p>
+                <a:latin typeface="Arial Rounded MT Bold" panose="020F0704030504030204" pitchFamily="34" charset="0"/>
+              </a:rPr>
+              <a:t>Planning is important for HRM. </a:t>
+            </a:r>
+          </a:p>
+          <a:p>
+            <a:pPr marL="342900" indent="-342900">
+              <a:buFont typeface="Arial" panose="020B0604020202020204" pitchFamily="34" charset="0"/>
+              <a:buChar char="•"/>
+            </a:pPr>
             <a:r>
               <a:rPr lang="en-US" sz="2000" dirty="0">
-                <a:solidFill>
-                  <a:schemeClr val="bg1"/>
-                </a:solidFill>
-                <a:latin typeface="Arial Rounded MT Bold" panose="020F0704030504030204" pitchFamily="34" charset="0"/>
-              </a:rPr>
-              <a:t> Each Organization needs personnel with necessary qualifications, skills, knowledge, experience &amp; aptitude. </a:t>
-            </a:r>
-          </a:p>
-          <a:p>
+                <a:latin typeface="Arial Rounded MT Bold" panose="020F0704030504030204" pitchFamily="34" charset="0"/>
+              </a:rPr>
+              <a:t>Each Organization needs personnel with necessary qualifications, skills, knowledge, experience &amp; aptitude. </a:t>
+            </a:r>
+          </a:p>
+          <a:p>
+            <a:pPr marL="342900" indent="-342900">
+              <a:buFont typeface="Arial" panose="020B0604020202020204" pitchFamily="34" charset="0"/>
+              <a:buChar char="•"/>
+            </a:pPr>
             <a:r>
               <a:rPr lang="en-US" sz="2000" dirty="0">
-                <a:solidFill>
-                  <a:schemeClr val="bg1"/>
-                </a:solidFill>
-                <a:latin typeface="Arial Rounded MT Bold" panose="020F0704030504030204" pitchFamily="34" charset="0"/>
-              </a:rPr>
-              <a:t> Need for Replacement of Personnel - Replacing old, retired or disabled personnel. </a:t>
-            </a:r>
-          </a:p>
-          <a:p>
+                <a:latin typeface="Arial Rounded MT Bold" panose="020F0704030504030204" pitchFamily="34" charset="0"/>
+              </a:rPr>
+              <a:t>Need for Replacement of Personnel - Replacing old, retired or disabled personnel. </a:t>
+            </a:r>
+          </a:p>
+          <a:p>
+            <a:pPr marL="342900" indent="-342900">
+              <a:buFont typeface="Arial" panose="020B0604020202020204" pitchFamily="34" charset="0"/>
+              <a:buChar char="•"/>
+            </a:pPr>
             <a:r>
               <a:rPr lang="en-US" sz="2000" dirty="0">
-                <a:solidFill>
-                  <a:schemeClr val="bg1"/>
-                </a:solidFill>
-                <a:latin typeface="Arial Rounded MT Bold" panose="020F0704030504030204" pitchFamily="34" charset="0"/>
-              </a:rPr>
-              <a:t> Meet manpower shortages due to </a:t>
+                <a:latin typeface="Arial Rounded MT Bold" panose="020F0704030504030204" pitchFamily="34" charset="0"/>
+              </a:rPr>
+              <a:t>Meet manpower shortages due to </a:t>
             </a:r>
             <a:r>
               <a:rPr lang="en-US" sz="2000" dirty="0" err="1">
-                <a:solidFill>
-                  <a:schemeClr val="bg1"/>
-                </a:solidFill>
                 <a:latin typeface="Arial Rounded MT Bold" panose="020F0704030504030204" pitchFamily="34" charset="0"/>
               </a:rPr>
               <a:t>labour</a:t>
             </a:r>
             <a:r>
               <a:rPr lang="en-US" sz="2000" dirty="0">
-                <a:solidFill>
-                  <a:schemeClr val="bg1"/>
-                </a:solidFill>
                 <a:latin typeface="Arial Rounded MT Bold" panose="020F0704030504030204" pitchFamily="34" charset="0"/>
               </a:rPr>
               <a:t> turnover - Indian Airlines, Gas Authority of India headless for 10 months. </a:t>
             </a:r>
           </a:p>
           <a:p>
+            <a:pPr marL="342900" indent="-342900">
+              <a:buFont typeface="Arial" panose="020B0604020202020204" pitchFamily="34" charset="0"/>
+              <a:buChar char="•"/>
+            </a:pPr>
             <a:r>
               <a:rPr lang="en-US" sz="2000" dirty="0">
-                <a:solidFill>
-                  <a:schemeClr val="bg1"/>
-                </a:solidFill>
-                <a:latin typeface="Arial Rounded MT Bold" panose="020F0704030504030204" pitchFamily="34" charset="0"/>
-              </a:rPr>
-              <a:t> Meet needs of expansion / downsizing </a:t>
+                <a:latin typeface="Arial Rounded MT Bold" panose="020F0704030504030204" pitchFamily="34" charset="0"/>
+              </a:rPr>
+              <a:t>Meet needs of expansion / downsizing </a:t>
             </a:r>
             <a:r>
               <a:rPr lang="en-US" sz="2000" dirty="0" err="1">
-                <a:solidFill>
-                  <a:schemeClr val="bg1"/>
-                </a:solidFill>
                 <a:latin typeface="Arial Rounded MT Bold" panose="020F0704030504030204" pitchFamily="34" charset="0"/>
               </a:rPr>
               <a:t>programmes</a:t>
             </a:r>
             <a:r>
               <a:rPr lang="en-US" sz="2000" dirty="0">
-                <a:solidFill>
-                  <a:schemeClr val="bg1"/>
-                </a:solidFill>
                 <a:latin typeface="Arial Rounded MT Bold" panose="020F0704030504030204" pitchFamily="34" charset="0"/>
               </a:rPr>
               <a:t> - As a result of expansion of IT companies the demand for IT professionals are increasing. PSU‟s offering VRS to employees to retrench staff and </a:t>
             </a:r>
             <a:r>
               <a:rPr lang="en-US" sz="2000" dirty="0" err="1">
-                <a:solidFill>
-                  <a:schemeClr val="bg1"/>
-                </a:solidFill>
                 <a:latin typeface="Arial Rounded MT Bold" panose="020F0704030504030204" pitchFamily="34" charset="0"/>
               </a:rPr>
               <a:t>labour</a:t>
             </a:r>
             <a:r>
               <a:rPr lang="en-US" sz="2000" dirty="0">
-                <a:solidFill>
-                  <a:schemeClr val="bg1"/>
-                </a:solidFill>
                 <a:latin typeface="Arial Rounded MT Bold" panose="020F0704030504030204" pitchFamily="34" charset="0"/>
               </a:rPr>
               <a:t> costs. DOT.COMs firing staff. </a:t>
             </a:r>
           </a:p>
           <a:p>
+            <a:pPr marL="342900" indent="-342900">
+              <a:buFont typeface="Arial" panose="020B0604020202020204" pitchFamily="34" charset="0"/>
+              <a:buChar char="•"/>
+            </a:pPr>
             <a:r>
               <a:rPr lang="en-US" sz="2000" dirty="0">
-                <a:solidFill>
-                  <a:schemeClr val="bg1"/>
-                </a:solidFill>
-                <a:latin typeface="Arial Rounded MT Bold" panose="020F0704030504030204" pitchFamily="34" charset="0"/>
-              </a:rPr>
-              <a:t> Cater to Future Personnel Needs - Avoid surplus or deficiency of </a:t>
+                <a:latin typeface="Arial Rounded MT Bold" panose="020F0704030504030204" pitchFamily="34" charset="0"/>
+              </a:rPr>
+              <a:t>Cater to Future Personnel Needs - Avoid surplus or deficiency of </a:t>
             </a:r>
             <a:r>
               <a:rPr lang="en-US" sz="2000" dirty="0" err="1">
-                <a:solidFill>
-                  <a:schemeClr val="bg1"/>
-                </a:solidFill>
                 <a:latin typeface="Arial Rounded MT Bold" panose="020F0704030504030204" pitchFamily="34" charset="0"/>
               </a:rPr>
               <a:t>labour</a:t>
             </a:r>
             <a:r>
               <a:rPr lang="en-US" sz="2000" dirty="0">
-                <a:solidFill>
-                  <a:schemeClr val="bg1"/>
-                </a:solidFill>
-                <a:latin typeface="Arial Rounded MT Bold" panose="020F0704030504030204" pitchFamily="34" charset="0"/>
-              </a:rPr>
-              <a:t>. [</a:t>
-            </a:r>
-            <a:r>
-              <a:rPr lang="en-US" sz="2000" dirty="0" err="1">
-                <a:solidFill>
-                  <a:schemeClr val="bg1"/>
-                </a:solidFill>
-                <a:latin typeface="Arial Rounded MT Bold" panose="020F0704030504030204" pitchFamily="34" charset="0"/>
-              </a:rPr>
-              <a:t>OverstaffedRedeployment</a:t>
-            </a:r>
+                <a:latin typeface="Arial Rounded MT Bold" panose="020F0704030504030204" pitchFamily="34" charset="0"/>
+              </a:rPr>
+              <a:t>. [Overstaffed Redeployment]. </a:t>
+            </a:r>
+          </a:p>
+          <a:p>
+            <a:pPr marL="342900" indent="-342900">
+              <a:buFont typeface="Arial" panose="020B0604020202020204" pitchFamily="34" charset="0"/>
+              <a:buChar char="•"/>
+            </a:pPr>
             <a:r>
               <a:rPr lang="en-US" sz="2000" dirty="0">
-                <a:solidFill>
-                  <a:schemeClr val="bg1"/>
-                </a:solidFill>
-                <a:latin typeface="Arial Rounded MT Bold" panose="020F0704030504030204" pitchFamily="34" charset="0"/>
-              </a:rPr>
-              <a:t>]. </a:t>
-            </a:r>
-          </a:p>
-          <a:p>
-            <a:r>
-              <a:rPr lang="en-US" sz="2000" dirty="0">
-                <a:solidFill>
-                  <a:schemeClr val="bg1"/>
-                </a:solidFill>
-                <a:latin typeface="Arial Rounded MT Bold" panose="020F0704030504030204" pitchFamily="34" charset="0"/>
-              </a:rPr>
-              <a:t> Nature of present workforce in relation with Changing Environment - helps to cope with changes in competitive forces, markets, technology, products and government regulations.</a:t>
+                <a:latin typeface="Arial Rounded MT Bold" panose="020F0704030504030204" pitchFamily="34" charset="0"/>
+              </a:rPr>
+              <a:t>Nature of present workforce in relation with Changing Environment - helps to cope with changes in competitive forces, markets, technology, products and government regulations.</a:t>
             </a:r>
             <a:endParaRPr lang="en-IN" sz="2000" dirty="0">
-              <a:solidFill>
-                <a:schemeClr val="bg1"/>
-              </a:solidFill>
               <a:latin typeface="Arial Rounded MT Bold" panose="020F0704030504030204" pitchFamily="34" charset="0"/>
             </a:endParaRPr>
           </a:p>
@@ -10565,9 +10380,6 @@
           <a:p>
             <a:r>
               <a:rPr lang="en-US" sz="2000" dirty="0">
-                <a:solidFill>
-                  <a:schemeClr val="bg1"/>
-                </a:solidFill>
                 <a:latin typeface="Arial Rounded MT Bold" panose="020F0704030504030204" pitchFamily="34" charset="0"/>
               </a:rPr>
               <a:t>HRP comprises A Four Steps Process </a:t>
@@ -10579,167 +10391,123 @@
             </a:pPr>
             <a:r>
               <a:rPr lang="en-US" sz="2000" dirty="0">
-                <a:solidFill>
-                  <a:schemeClr val="bg1"/>
-                </a:solidFill>
                 <a:latin typeface="Arial Rounded MT Bold" panose="020F0704030504030204" pitchFamily="34" charset="0"/>
               </a:rPr>
               <a:t>The first step is to develop a strategy planning which matches with the </a:t>
             </a:r>
             <a:r>
               <a:rPr lang="en-US" sz="2000" dirty="0" err="1">
-                <a:solidFill>
-                  <a:schemeClr val="bg1"/>
-                </a:solidFill>
                 <a:latin typeface="Arial Rounded MT Bold" panose="020F0704030504030204" pitchFamily="34" charset="0"/>
               </a:rPr>
               <a:t>Organisations</a:t>
             </a:r>
             <a:r>
               <a:rPr lang="en-US" sz="2000" dirty="0">
-                <a:solidFill>
-                  <a:schemeClr val="bg1"/>
-                </a:solidFill>
                 <a:latin typeface="Arial Rounded MT Bold" panose="020F0704030504030204" pitchFamily="34" charset="0"/>
               </a:rPr>
               <a:t> Vision, Mission and values. </a:t>
             </a:r>
           </a:p>
           <a:p>
-            <a:pPr marL="342900" indent="-342900">
-              <a:buAutoNum type="arabicPeriod"/>
+            <a:pPr marL="800100" lvl="1" indent="-342900">
+              <a:buFont typeface="Arial" panose="020B0604020202020204" pitchFamily="34" charset="0"/>
+              <a:buChar char="•"/>
             </a:pPr>
             <a:r>
               <a:rPr lang="en-US" sz="2000" dirty="0">
-                <a:solidFill>
-                  <a:schemeClr val="bg1"/>
-                </a:solidFill>
-                <a:latin typeface="Arial Rounded MT Bold" panose="020F0704030504030204" pitchFamily="34" charset="0"/>
-              </a:rPr>
-              <a:t> Increase the profit </a:t>
-            </a:r>
-          </a:p>
-          <a:p>
-            <a:pPr marL="342900" indent="-342900">
-              <a:buAutoNum type="arabicPeriod"/>
+                <a:latin typeface="Arial Rounded MT Bold" panose="020F0704030504030204" pitchFamily="34" charset="0"/>
+              </a:rPr>
+              <a:t>Increase the profit </a:t>
+            </a:r>
+          </a:p>
+          <a:p>
+            <a:pPr marL="800100" lvl="1" indent="-342900">
+              <a:buFont typeface="Arial" panose="020B0604020202020204" pitchFamily="34" charset="0"/>
+              <a:buChar char="•"/>
             </a:pPr>
             <a:r>
               <a:rPr lang="en-US" sz="2000" dirty="0">
-                <a:solidFill>
-                  <a:schemeClr val="bg1"/>
-                </a:solidFill>
-                <a:latin typeface="Arial Rounded MT Bold" panose="020F0704030504030204" pitchFamily="34" charset="0"/>
-              </a:rPr>
-              <a:t> Satisfy the partners </a:t>
-            </a:r>
-          </a:p>
-          <a:p>
-            <a:pPr marL="342900" indent="-342900">
-              <a:buAutoNum type="arabicPeriod"/>
+                <a:latin typeface="Arial Rounded MT Bold" panose="020F0704030504030204" pitchFamily="34" charset="0"/>
+              </a:rPr>
+              <a:t>Satisfy the partners </a:t>
+            </a:r>
+          </a:p>
+          <a:p>
+            <a:pPr marL="800100" lvl="1" indent="-342900">
+              <a:buFont typeface="Arial" panose="020B0604020202020204" pitchFamily="34" charset="0"/>
+              <a:buChar char="•"/>
             </a:pPr>
             <a:r>
               <a:rPr lang="en-US" sz="2000" dirty="0">
-                <a:solidFill>
-                  <a:schemeClr val="bg1"/>
-                </a:solidFill>
-                <a:latin typeface="Arial Rounded MT Bold" panose="020F0704030504030204" pitchFamily="34" charset="0"/>
-              </a:rPr>
-              <a:t> Finding new customers </a:t>
-            </a:r>
-          </a:p>
-          <a:p>
-            <a:pPr marL="342900" indent="-342900">
-              <a:buAutoNum type="arabicPeriod"/>
+                <a:latin typeface="Arial Rounded MT Bold" panose="020F0704030504030204" pitchFamily="34" charset="0"/>
+              </a:rPr>
+              <a:t>Finding new customers </a:t>
+            </a:r>
+          </a:p>
+          <a:p>
+            <a:pPr marL="800100" lvl="1" indent="-342900">
+              <a:buFont typeface="Arial" panose="020B0604020202020204" pitchFamily="34" charset="0"/>
+              <a:buChar char="•"/>
             </a:pPr>
             <a:r>
               <a:rPr lang="en-US" sz="2000" dirty="0">
-                <a:solidFill>
-                  <a:schemeClr val="bg1"/>
-                </a:solidFill>
-                <a:latin typeface="Arial Rounded MT Bold" panose="020F0704030504030204" pitchFamily="34" charset="0"/>
-              </a:rPr>
-              <a:t> Developing quality products and tools </a:t>
-            </a:r>
-          </a:p>
-          <a:p>
-            <a:pPr marL="342900" indent="-342900">
-              <a:buAutoNum type="arabicPeriod"/>
+                <a:latin typeface="Arial Rounded MT Bold" panose="020F0704030504030204" pitchFamily="34" charset="0"/>
+              </a:rPr>
+              <a:t>Developing quality products and tools </a:t>
+            </a:r>
+          </a:p>
+          <a:p>
+            <a:pPr marL="800100" lvl="1" indent="-342900">
+              <a:buFont typeface="Arial" panose="020B0604020202020204" pitchFamily="34" charset="0"/>
+              <a:buChar char="•"/>
             </a:pPr>
             <a:r>
               <a:rPr lang="en-US" sz="2000" dirty="0">
-                <a:solidFill>
-                  <a:schemeClr val="bg1"/>
-                </a:solidFill>
-                <a:latin typeface="Arial Rounded MT Bold" panose="020F0704030504030204" pitchFamily="34" charset="0"/>
-              </a:rPr>
-              <a:t> Eliminate the non-profitable measures. </a:t>
-            </a:r>
-          </a:p>
-          <a:p>
-            <a:pPr marL="342900" indent="-342900">
-              <a:buAutoNum type="arabicPeriod"/>
-            </a:pPr>
+                <a:latin typeface="Arial Rounded MT Bold" panose="020F0704030504030204" pitchFamily="34" charset="0"/>
+              </a:rPr>
+              <a:t>Eliminate the non-profitable measures. </a:t>
+            </a:r>
+          </a:p>
+          <a:p>
+            <a:pPr lvl="1"/>
             <a:r>
               <a:rPr lang="en-US" sz="2000" dirty="0">
-                <a:solidFill>
-                  <a:schemeClr val="bg1"/>
-                </a:solidFill>
                 <a:latin typeface="Arial Rounded MT Bold" panose="020F0704030504030204" pitchFamily="34" charset="0"/>
               </a:rPr>
               <a:t>For example-The 2016's mission is You Must Be A STAR </a:t>
             </a:r>
           </a:p>
           <a:p>
-            <a:pPr marL="342900" indent="-342900">
-              <a:buAutoNum type="arabicPeriod"/>
-            </a:pPr>
+            <a:pPr lvl="1"/>
             <a:r>
               <a:rPr lang="en-US" sz="2000" dirty="0">
-                <a:solidFill>
-                  <a:schemeClr val="bg1"/>
-                </a:solidFill>
                 <a:latin typeface="Arial Rounded MT Bold" panose="020F0704030504030204" pitchFamily="34" charset="0"/>
               </a:rPr>
               <a:t>S - Speed </a:t>
             </a:r>
           </a:p>
           <a:p>
-            <a:pPr marL="342900" indent="-342900">
-              <a:buAutoNum type="arabicPeriod"/>
-            </a:pPr>
+            <a:pPr lvl="1"/>
             <a:r>
               <a:rPr lang="en-US" sz="2000" dirty="0">
-                <a:solidFill>
-                  <a:schemeClr val="bg1"/>
-                </a:solidFill>
                 <a:latin typeface="Arial Rounded MT Bold" panose="020F0704030504030204" pitchFamily="34" charset="0"/>
               </a:rPr>
               <a:t>T - Team </a:t>
             </a:r>
           </a:p>
           <a:p>
-            <a:pPr marL="342900" indent="-342900">
-              <a:buAutoNum type="arabicPeriod"/>
-            </a:pPr>
+            <a:pPr lvl="1"/>
             <a:r>
               <a:rPr lang="en-US" sz="2000" dirty="0">
-                <a:solidFill>
-                  <a:schemeClr val="bg1"/>
-                </a:solidFill>
                 <a:latin typeface="Arial Rounded MT Bold" panose="020F0704030504030204" pitchFamily="34" charset="0"/>
               </a:rPr>
               <a:t>A - Approach </a:t>
             </a:r>
           </a:p>
           <a:p>
-            <a:pPr marL="342900" indent="-342900">
-              <a:buAutoNum type="arabicPeriod"/>
-            </a:pPr>
+            <a:pPr lvl="1"/>
             <a:r>
               <a:rPr lang="en-US" sz="2000" dirty="0">
-                <a:solidFill>
-                  <a:schemeClr val="bg1"/>
-                </a:solidFill>
                 <a:latin typeface="Arial Rounded MT Bold" panose="020F0704030504030204" pitchFamily="34" charset="0"/>
               </a:rPr>
               <a:t>R - Results </a:t>
@@ -10748,9 +10516,6 @@
           <a:p>
             <a:r>
               <a:rPr lang="en-US" sz="2000" dirty="0">
-                <a:solidFill>
-                  <a:schemeClr val="bg1"/>
-                </a:solidFill>
                 <a:latin typeface="Arial Rounded MT Bold" panose="020F0704030504030204" pitchFamily="34" charset="0"/>
               </a:rPr>
               <a:t>The vision: Build, create the environment&amp; culture that attracts, retains, and breeds the present and future leaders, expertise &amp;innovators </a:t>
@@ -10759,9 +10524,6 @@
           <a:p>
             <a:r>
               <a:rPr lang="en-US" sz="2000" dirty="0">
-                <a:solidFill>
-                  <a:schemeClr val="bg1"/>
-                </a:solidFill>
                 <a:latin typeface="Arial Rounded MT Bold" panose="020F0704030504030204" pitchFamily="34" charset="0"/>
               </a:rPr>
               <a:t>The Core values </a:t>
@@ -10770,17 +10532,11 @@
           <a:p>
             <a:r>
               <a:rPr lang="en-US" sz="2000" dirty="0">
-                <a:solidFill>
-                  <a:schemeClr val="bg1"/>
-                </a:solidFill>
                 <a:latin typeface="Arial Rounded MT Bold" panose="020F0704030504030204" pitchFamily="34" charset="0"/>
               </a:rPr>
               <a:t> Reward  Resourcing  Development  Employee relations Priorities:  Improve Customer Experience  Grow Revenue.  Improve Profitability &amp; cash flow.  Create a great employee experience  Live our Values. </a:t>
             </a:r>
             <a:endParaRPr lang="en-IN" sz="2000" dirty="0">
-              <a:solidFill>
-                <a:schemeClr val="bg1"/>
-              </a:solidFill>
               <a:latin typeface="Arial Rounded MT Bold" panose="020F0704030504030204" pitchFamily="34" charset="0"/>
             </a:endParaRPr>
           </a:p>
@@ -10831,7 +10587,7 @@
         <p:spPr>
           <a:xfrm>
             <a:off x="736847" y="372863"/>
-            <a:ext cx="8400495" cy="4770537"/>
+            <a:ext cx="10491447" cy="4431983"/>
           </a:xfrm>
           <a:prstGeom prst="rect">
             <a:avLst/>
@@ -10846,130 +10602,130 @@
           <a:p>
             <a:r>
               <a:rPr lang="en-US" sz="2200" dirty="0">
-                <a:solidFill>
-                  <a:schemeClr val="bg1"/>
-                </a:solidFill>
                 <a:latin typeface="Arial Rounded MT Bold" panose="020F0704030504030204" pitchFamily="34" charset="0"/>
               </a:rPr>
               <a:t>2. The second step is predicting Demand for HR </a:t>
             </a:r>
           </a:p>
           <a:p>
+            <a:pPr marL="342900" indent="-342900">
+              <a:buFont typeface="Arial" panose="020B0604020202020204" pitchFamily="34" charset="0"/>
+              <a:buChar char="•"/>
+            </a:pPr>
             <a:r>
               <a:rPr lang="en-US" sz="2200" dirty="0">
-                <a:solidFill>
-                  <a:schemeClr val="bg1"/>
-                </a:solidFill>
-                <a:latin typeface="Arial Rounded MT Bold" panose="020F0704030504030204" pitchFamily="34" charset="0"/>
-              </a:rPr>
-              <a:t> Decrease costs </a:t>
-            </a:r>
-          </a:p>
-          <a:p>
+                <a:latin typeface="Arial Rounded MT Bold" panose="020F0704030504030204" pitchFamily="34" charset="0"/>
+              </a:rPr>
+              <a:t>Decrease costs </a:t>
+            </a:r>
+          </a:p>
+          <a:p>
+            <a:pPr marL="342900" indent="-342900">
+              <a:buFont typeface="Arial" panose="020B0604020202020204" pitchFamily="34" charset="0"/>
+              <a:buChar char="•"/>
+            </a:pPr>
             <a:r>
               <a:rPr lang="en-US" sz="2200" dirty="0">
-                <a:solidFill>
-                  <a:schemeClr val="bg1"/>
-                </a:solidFill>
-                <a:latin typeface="Arial Rounded MT Bold" panose="020F0704030504030204" pitchFamily="34" charset="0"/>
-              </a:rPr>
-              <a:t> Vacant jobs </a:t>
-            </a:r>
-          </a:p>
-          <a:p>
+                <a:latin typeface="Arial Rounded MT Bold" panose="020F0704030504030204" pitchFamily="34" charset="0"/>
+              </a:rPr>
+              <a:t>Vacant jobs </a:t>
+            </a:r>
+          </a:p>
+          <a:p>
+            <a:pPr marL="342900" indent="-342900">
+              <a:buFont typeface="Arial" panose="020B0604020202020204" pitchFamily="34" charset="0"/>
+              <a:buChar char="•"/>
+            </a:pPr>
             <a:r>
               <a:rPr lang="en-US" sz="2200" dirty="0">
-                <a:solidFill>
-                  <a:schemeClr val="bg1"/>
-                </a:solidFill>
-                <a:latin typeface="Arial Rounded MT Bold" panose="020F0704030504030204" pitchFamily="34" charset="0"/>
-              </a:rPr>
-              <a:t> Train on new equipment. MRCET MBA </a:t>
+                <a:latin typeface="Arial Rounded MT Bold" panose="020F0704030504030204" pitchFamily="34" charset="0"/>
+              </a:rPr>
+              <a:t>Train on new equipment. MRCET MBA </a:t>
             </a:r>
           </a:p>
           <a:p>
             <a:endParaRPr lang="en-US" sz="2200" dirty="0">
-              <a:solidFill>
-                <a:schemeClr val="bg1"/>
-              </a:solidFill>
               <a:latin typeface="Arial Rounded MT Bold" panose="020F0704030504030204" pitchFamily="34" charset="0"/>
             </a:endParaRPr>
           </a:p>
           <a:p>
             <a:r>
               <a:rPr lang="en-US" sz="2200" dirty="0">
-                <a:solidFill>
-                  <a:schemeClr val="bg1"/>
-                </a:solidFill>
                 <a:latin typeface="Arial Rounded MT Bold" panose="020F0704030504030204" pitchFamily="34" charset="0"/>
               </a:rPr>
               <a:t>3. The third step is Determining HR Supply available </a:t>
             </a:r>
           </a:p>
           <a:p>
+            <a:pPr marL="342900" indent="-342900">
+              <a:buFont typeface="Arial" panose="020B0604020202020204" pitchFamily="34" charset="0"/>
+              <a:buChar char="•"/>
+            </a:pPr>
             <a:r>
               <a:rPr lang="en-US" sz="2200" dirty="0">
-                <a:solidFill>
-                  <a:schemeClr val="bg1"/>
-                </a:solidFill>
-                <a:latin typeface="Arial Rounded MT Bold" panose="020F0704030504030204" pitchFamily="34" charset="0"/>
-              </a:rPr>
-              <a:t> DAP development action plan </a:t>
-            </a:r>
-          </a:p>
-          <a:p>
+                <a:latin typeface="Arial Rounded MT Bold" panose="020F0704030504030204" pitchFamily="34" charset="0"/>
+              </a:rPr>
+              <a:t>DAP development action plan </a:t>
+            </a:r>
+          </a:p>
+          <a:p>
+            <a:pPr marL="342900" indent="-342900">
+              <a:buFont typeface="Arial" panose="020B0604020202020204" pitchFamily="34" charset="0"/>
+              <a:buChar char="•"/>
+            </a:pPr>
             <a:r>
               <a:rPr lang="en-US" sz="2200" dirty="0">
-                <a:solidFill>
-                  <a:schemeClr val="bg1"/>
-                </a:solidFill>
-                <a:latin typeface="Arial Rounded MT Bold" panose="020F0704030504030204" pitchFamily="34" charset="0"/>
-              </a:rPr>
-              <a:t> Improve the skills of employees </a:t>
-            </a:r>
-          </a:p>
-          <a:p>
+                <a:latin typeface="Arial Rounded MT Bold" panose="020F0704030504030204" pitchFamily="34" charset="0"/>
+              </a:rPr>
+              <a:t>Improve the skills of employees </a:t>
+            </a:r>
+          </a:p>
+          <a:p>
+            <a:pPr marL="342900" indent="-342900">
+              <a:buFont typeface="Arial" panose="020B0604020202020204" pitchFamily="34" charset="0"/>
+              <a:buChar char="•"/>
+            </a:pPr>
             <a:r>
               <a:rPr lang="en-US" sz="2200" dirty="0">
-                <a:solidFill>
-                  <a:schemeClr val="bg1"/>
-                </a:solidFill>
-                <a:latin typeface="Arial Rounded MT Bold" panose="020F0704030504030204" pitchFamily="34" charset="0"/>
-              </a:rPr>
-              <a:t> Link with employees needs </a:t>
-            </a:r>
-          </a:p>
-          <a:p>
+                <a:latin typeface="Arial Rounded MT Bold" panose="020F0704030504030204" pitchFamily="34" charset="0"/>
+              </a:rPr>
+              <a:t>Link with employees needs </a:t>
+            </a:r>
+          </a:p>
+          <a:p>
+            <a:pPr marL="342900" indent="-342900">
+              <a:buFont typeface="Arial" panose="020B0604020202020204" pitchFamily="34" charset="0"/>
+              <a:buChar char="•"/>
+            </a:pPr>
             <a:r>
               <a:rPr lang="en-US" sz="2200" dirty="0">
-                <a:solidFill>
-                  <a:schemeClr val="bg1"/>
-                </a:solidFill>
-                <a:latin typeface="Arial Rounded MT Bold" panose="020F0704030504030204" pitchFamily="34" charset="0"/>
-              </a:rPr>
-              <a:t> Analyze and choose the common needs </a:t>
-            </a:r>
-          </a:p>
-          <a:p>
+                <a:latin typeface="Arial Rounded MT Bold" panose="020F0704030504030204" pitchFamily="34" charset="0"/>
+              </a:rPr>
+              <a:t>Analyze and choose the common needs </a:t>
+            </a:r>
+          </a:p>
+          <a:p>
+            <a:pPr marL="342900" indent="-342900">
+              <a:buFont typeface="Arial" panose="020B0604020202020204" pitchFamily="34" charset="0"/>
+              <a:buChar char="•"/>
+            </a:pPr>
             <a:r>
               <a:rPr lang="en-US" sz="2200" dirty="0">
-                <a:solidFill>
-                  <a:schemeClr val="bg1"/>
-                </a:solidFill>
-                <a:latin typeface="Arial Rounded MT Bold" panose="020F0704030504030204" pitchFamily="34" charset="0"/>
-              </a:rPr>
-              <a:t> Appraisal at the end of the year in developing the employees skills </a:t>
-            </a:r>
-          </a:p>
-          <a:p>
+                <a:latin typeface="Arial Rounded MT Bold" panose="020F0704030504030204" pitchFamily="34" charset="0"/>
+              </a:rPr>
+              <a:t>Appraisal at the end of the year in developing the employees' skills </a:t>
+            </a:r>
+          </a:p>
+          <a:p>
+            <a:pPr marL="342900" indent="-342900">
+              <a:buFont typeface="Arial" panose="020B0604020202020204" pitchFamily="34" charset="0"/>
+              <a:buChar char="•"/>
+            </a:pPr>
             <a:r>
               <a:rPr lang="en-US" sz="2200" dirty="0">
-                <a:solidFill>
-                  <a:schemeClr val="bg1"/>
-                </a:solidFill>
-                <a:latin typeface="Arial Rounded MT Bold" panose="020F0704030504030204" pitchFamily="34" charset="0"/>
-              </a:rPr>
-              <a:t> Replacement charts.</a:t>
+                <a:latin typeface="Arial Rounded MT Bold" panose="020F0704030504030204" pitchFamily="34" charset="0"/>
+              </a:rPr>
+              <a:t>Replacement charts.</a:t>
             </a:r>
           </a:p>
           <a:p>
@@ -11037,9 +10793,6 @@
           <a:p>
             <a:r>
               <a:rPr lang="en-US" sz="2400" dirty="0">
-                <a:solidFill>
-                  <a:schemeClr val="bg1"/>
-                </a:solidFill>
                 <a:latin typeface="Arial Rounded MT Bold" panose="020F0704030504030204" pitchFamily="34" charset="0"/>
               </a:rPr>
               <a:t>4 .The last steps is Formulating the Plans for Action:</a:t>
@@ -11048,9 +10801,6 @@
           <a:p>
             <a:r>
               <a:rPr lang="en-US" sz="2400" dirty="0">
-                <a:solidFill>
-                  <a:schemeClr val="bg1"/>
-                </a:solidFill>
                 <a:latin typeface="Arial Rounded MT Bold" panose="020F0704030504030204" pitchFamily="34" charset="0"/>
               </a:rPr>
               <a:t> </a:t>
@@ -11059,9 +10809,6 @@
           <a:p>
             <a:r>
               <a:rPr lang="en-US" sz="2400" dirty="0">
-                <a:solidFill>
-                  <a:schemeClr val="bg1"/>
-                </a:solidFill>
                 <a:latin typeface="Arial Rounded MT Bold" panose="020F0704030504030204" pitchFamily="34" charset="0"/>
               </a:rPr>
               <a:t>Decisions with a shortage of employees: Selection, overtime, recruitment</a:t>
@@ -11069,9 +10816,6 @@
           </a:p>
           <a:p>
             <a:endParaRPr lang="en-US" sz="2400" dirty="0">
-              <a:solidFill>
-                <a:schemeClr val="bg1"/>
-              </a:solidFill>
               <a:latin typeface="Arial Rounded MT Bold" panose="020F0704030504030204" pitchFamily="34" charset="0"/>
             </a:endParaRPr>
           </a:p>
@@ -11081,9 +10825,6 @@
             </a:pPr>
             <a:r>
               <a:rPr lang="en-IN" sz="2400" dirty="0">
-                <a:solidFill>
-                  <a:schemeClr val="bg1"/>
-                </a:solidFill>
                 <a:latin typeface="Arial Rounded MT Bold" panose="020F0704030504030204" pitchFamily="34" charset="0"/>
               </a:rPr>
               <a:t>Organizational Objectives &amp; Policies: </a:t>
@@ -11095,12 +10836,9 @@
             </a:pPr>
             <a:r>
               <a:rPr lang="en-IN" sz="2400" dirty="0">
-                <a:solidFill>
-                  <a:schemeClr val="bg1"/>
-                </a:solidFill>
-                <a:latin typeface="Arial Rounded MT Bold" panose="020F0704030504030204" pitchFamily="34" charset="0"/>
-              </a:rPr>
-              <a:t> Downsizing / Expansion </a:t>
+                <a:latin typeface="Arial Rounded MT Bold" panose="020F0704030504030204" pitchFamily="34" charset="0"/>
+              </a:rPr>
+              <a:t>Downsizing / Expansion </a:t>
             </a:r>
           </a:p>
           <a:p>
@@ -11109,12 +10847,9 @@
             </a:pPr>
             <a:r>
               <a:rPr lang="en-IN" sz="2400" dirty="0">
-                <a:solidFill>
-                  <a:schemeClr val="bg1"/>
-                </a:solidFill>
-                <a:latin typeface="Arial Rounded MT Bold" panose="020F0704030504030204" pitchFamily="34" charset="0"/>
-              </a:rPr>
-              <a:t> Acquisition / Merger / Sell-out  Technology up gradation / Automation </a:t>
+                <a:latin typeface="Arial Rounded MT Bold" panose="020F0704030504030204" pitchFamily="34" charset="0"/>
+              </a:rPr>
+              <a:t>Acquisition / Merger / Sell-out </a:t>
             </a:r>
           </a:p>
           <a:p>
@@ -11123,12 +10858,9 @@
             </a:pPr>
             <a:r>
               <a:rPr lang="en-IN" sz="2400" dirty="0">
-                <a:solidFill>
-                  <a:schemeClr val="bg1"/>
-                </a:solidFill>
-                <a:latin typeface="Arial Rounded MT Bold" panose="020F0704030504030204" pitchFamily="34" charset="0"/>
-              </a:rPr>
-              <a:t> New Markets &amp; New Products </a:t>
+                <a:latin typeface="Arial Rounded MT Bold" panose="020F0704030504030204" pitchFamily="34" charset="0"/>
+              </a:rPr>
+              <a:t>Technology up gradation / Automation </a:t>
             </a:r>
           </a:p>
           <a:p>
@@ -11137,12 +10869,9 @@
             </a:pPr>
             <a:r>
               <a:rPr lang="en-IN" sz="2400" dirty="0">
-                <a:solidFill>
-                  <a:schemeClr val="bg1"/>
-                </a:solidFill>
-                <a:latin typeface="Arial Rounded MT Bold" panose="020F0704030504030204" pitchFamily="34" charset="0"/>
-              </a:rPr>
-              <a:t> External Vs Internal hiring </a:t>
+                <a:latin typeface="Arial Rounded MT Bold" panose="020F0704030504030204" pitchFamily="34" charset="0"/>
+              </a:rPr>
+              <a:t>New Markets &amp; New Products </a:t>
             </a:r>
           </a:p>
           <a:p>
@@ -11151,12 +10880,9 @@
             </a:pPr>
             <a:r>
               <a:rPr lang="en-IN" sz="2400" dirty="0">
-                <a:solidFill>
-                  <a:schemeClr val="bg1"/>
-                </a:solidFill>
-                <a:latin typeface="Arial Rounded MT Bold" panose="020F0704030504030204" pitchFamily="34" charset="0"/>
-              </a:rPr>
-              <a:t> Training &amp; Re-training </a:t>
+                <a:latin typeface="Arial Rounded MT Bold" panose="020F0704030504030204" pitchFamily="34" charset="0"/>
+              </a:rPr>
+              <a:t>External Vs Internal hiring </a:t>
             </a:r>
           </a:p>
           <a:p>
@@ -11165,12 +10891,20 @@
             </a:pPr>
             <a:r>
               <a:rPr lang="en-IN" sz="2400" dirty="0">
-                <a:solidFill>
-                  <a:schemeClr val="bg1"/>
-                </a:solidFill>
-                <a:latin typeface="Arial Rounded MT Bold" panose="020F0704030504030204" pitchFamily="34" charset="0"/>
-              </a:rPr>
-              <a:t> Union Constraints</a:t>
+                <a:latin typeface="Arial Rounded MT Bold" panose="020F0704030504030204" pitchFamily="34" charset="0"/>
+              </a:rPr>
+              <a:t>Training &amp; Re-training </a:t>
+            </a:r>
+          </a:p>
+          <a:p>
+            <a:pPr marL="342900" indent="-342900">
+              <a:buAutoNum type="arabicPeriod"/>
+            </a:pPr>
+            <a:r>
+              <a:rPr lang="en-IN" sz="2400" dirty="0">
+                <a:latin typeface="Arial Rounded MT Bold" panose="020F0704030504030204" pitchFamily="34" charset="0"/>
+              </a:rPr>
+              <a:t>Union Constraints</a:t>
             </a:r>
           </a:p>
           <a:p>
